--- a/심화프로그래밍_week6 실습.pptx
+++ b/심화프로그래밍_week6 실습.pptx
@@ -205,7 +205,7 @@
           <a:p>
             <a:fld id="{5630A10B-A943-7246-B655-FE79A0B11F56}" type="datetimeFigureOut">
               <a:rPr kumimoji="1" lang="ko-KR" altLang="en-US" smtClean="0"/>
-              <a:t>2020. 10. 9.</a:t>
+              <a:t>2020-10-15</a:t>
             </a:fld>
             <a:endParaRPr kumimoji="1" lang="ko-KR" altLang="en-US"/>
           </a:p>
@@ -883,7 +883,7 @@
           <a:p>
             <a:fld id="{C2E4F5D8-DAB4-114E-895C-2D61E0056605}" type="datetimeFigureOut">
               <a:rPr kumimoji="1" lang="ko-KR" altLang="en-US" smtClean="0"/>
-              <a:t>2020. 10. 9.</a:t>
+              <a:t>2020-10-15</a:t>
             </a:fld>
             <a:endParaRPr kumimoji="1" lang="ko-KR" altLang="en-US"/>
           </a:p>
@@ -1081,7 +1081,7 @@
           <a:p>
             <a:fld id="{C2E4F5D8-DAB4-114E-895C-2D61E0056605}" type="datetimeFigureOut">
               <a:rPr kumimoji="1" lang="ko-KR" altLang="en-US" smtClean="0"/>
-              <a:t>2020. 10. 9.</a:t>
+              <a:t>2020-10-15</a:t>
             </a:fld>
             <a:endParaRPr kumimoji="1" lang="ko-KR" altLang="en-US"/>
           </a:p>
@@ -1289,7 +1289,7 @@
           <a:p>
             <a:fld id="{C2E4F5D8-DAB4-114E-895C-2D61E0056605}" type="datetimeFigureOut">
               <a:rPr kumimoji="1" lang="ko-KR" altLang="en-US" smtClean="0"/>
-              <a:t>2020. 10. 9.</a:t>
+              <a:t>2020-10-15</a:t>
             </a:fld>
             <a:endParaRPr kumimoji="1" lang="ko-KR" altLang="en-US"/>
           </a:p>
@@ -1487,7 +1487,7 @@
           <a:p>
             <a:fld id="{C2E4F5D8-DAB4-114E-895C-2D61E0056605}" type="datetimeFigureOut">
               <a:rPr kumimoji="1" lang="ko-KR" altLang="en-US" smtClean="0"/>
-              <a:t>2020. 10. 9.</a:t>
+              <a:t>2020-10-15</a:t>
             </a:fld>
             <a:endParaRPr kumimoji="1" lang="ko-KR" altLang="en-US"/>
           </a:p>
@@ -1762,7 +1762,7 @@
           <a:p>
             <a:fld id="{C2E4F5D8-DAB4-114E-895C-2D61E0056605}" type="datetimeFigureOut">
               <a:rPr kumimoji="1" lang="ko-KR" altLang="en-US" smtClean="0"/>
-              <a:t>2020. 10. 9.</a:t>
+              <a:t>2020-10-15</a:t>
             </a:fld>
             <a:endParaRPr kumimoji="1" lang="ko-KR" altLang="en-US"/>
           </a:p>
@@ -2027,7 +2027,7 @@
           <a:p>
             <a:fld id="{C2E4F5D8-DAB4-114E-895C-2D61E0056605}" type="datetimeFigureOut">
               <a:rPr kumimoji="1" lang="ko-KR" altLang="en-US" smtClean="0"/>
-              <a:t>2020. 10. 9.</a:t>
+              <a:t>2020-10-15</a:t>
             </a:fld>
             <a:endParaRPr kumimoji="1" lang="ko-KR" altLang="en-US"/>
           </a:p>
@@ -2439,7 +2439,7 @@
           <a:p>
             <a:fld id="{C2E4F5D8-DAB4-114E-895C-2D61E0056605}" type="datetimeFigureOut">
               <a:rPr kumimoji="1" lang="ko-KR" altLang="en-US" smtClean="0"/>
-              <a:t>2020. 10. 9.</a:t>
+              <a:t>2020-10-15</a:t>
             </a:fld>
             <a:endParaRPr kumimoji="1" lang="ko-KR" altLang="en-US"/>
           </a:p>
@@ -2580,7 +2580,7 @@
           <a:p>
             <a:fld id="{C2E4F5D8-DAB4-114E-895C-2D61E0056605}" type="datetimeFigureOut">
               <a:rPr kumimoji="1" lang="ko-KR" altLang="en-US" smtClean="0"/>
-              <a:t>2020. 10. 9.</a:t>
+              <a:t>2020-10-15</a:t>
             </a:fld>
             <a:endParaRPr kumimoji="1" lang="ko-KR" altLang="en-US"/>
           </a:p>
@@ -2693,7 +2693,7 @@
           <a:p>
             <a:fld id="{C2E4F5D8-DAB4-114E-895C-2D61E0056605}" type="datetimeFigureOut">
               <a:rPr kumimoji="1" lang="ko-KR" altLang="en-US" smtClean="0"/>
-              <a:t>2020. 10. 9.</a:t>
+              <a:t>2020-10-15</a:t>
             </a:fld>
             <a:endParaRPr kumimoji="1" lang="ko-KR" altLang="en-US"/>
           </a:p>
@@ -3004,7 +3004,7 @@
           <a:p>
             <a:fld id="{C2E4F5D8-DAB4-114E-895C-2D61E0056605}" type="datetimeFigureOut">
               <a:rPr kumimoji="1" lang="ko-KR" altLang="en-US" smtClean="0"/>
-              <a:t>2020. 10. 9.</a:t>
+              <a:t>2020-10-15</a:t>
             </a:fld>
             <a:endParaRPr kumimoji="1" lang="ko-KR" altLang="en-US"/>
           </a:p>
@@ -3292,7 +3292,7 @@
           <a:p>
             <a:fld id="{C2E4F5D8-DAB4-114E-895C-2D61E0056605}" type="datetimeFigureOut">
               <a:rPr kumimoji="1" lang="ko-KR" altLang="en-US" smtClean="0"/>
-              <a:t>2020. 10. 9.</a:t>
+              <a:t>2020-10-15</a:t>
             </a:fld>
             <a:endParaRPr kumimoji="1" lang="ko-KR" altLang="en-US"/>
           </a:p>
@@ -3533,7 +3533,7 @@
           <a:p>
             <a:fld id="{C2E4F5D8-DAB4-114E-895C-2D61E0056605}" type="datetimeFigureOut">
               <a:rPr kumimoji="1" lang="ko-KR" altLang="en-US" smtClean="0"/>
-              <a:t>2020. 10. 9.</a:t>
+              <a:t>2020-10-15</a:t>
             </a:fld>
             <a:endParaRPr kumimoji="1" lang="ko-KR" altLang="en-US"/>
           </a:p>
